--- a/Project Materials/Semiar Presentation.pptx
+++ b/Project Materials/Semiar Presentation.pptx
@@ -5,10 +5,14 @@
     <p:sldMasterId id="2147483648" r:id="rId1"/>
   </p:sldMasterIdLst>
   <p:sldIdLst>
-    <p:sldId id="256" r:id="rId2"/>
-    <p:sldId id="259" r:id="rId3"/>
-    <p:sldId id="257" r:id="rId4"/>
-    <p:sldId id="258" r:id="rId5"/>
+    <p:sldId id="257" r:id="rId2"/>
+    <p:sldId id="258" r:id="rId3"/>
+    <p:sldId id="256" r:id="rId4"/>
+    <p:sldId id="259" r:id="rId5"/>
+    <p:sldId id="263" r:id="rId6"/>
+    <p:sldId id="260" r:id="rId7"/>
+    <p:sldId id="262" r:id="rId8"/>
+    <p:sldId id="261" r:id="rId9"/>
   </p:sldIdLst>
   <p:sldSz cx="12192000" cy="6858000"/>
   <p:notesSz cx="6858000" cy="9144000"/>
@@ -3355,268 +3359,6 @@
           <p:cNvPr id="2" name="Title 1">
             <a:extLst>
               <a:ext uri="{FF2B5EF4-FFF2-40B4-BE49-F238E27FC236}">
-                <a16:creationId xmlns:a16="http://schemas.microsoft.com/office/drawing/2014/main" id="{658B2E5F-1A09-EB2B-4FDE-F3C4720B6CA4}"/>
-              </a:ext>
-            </a:extLst>
-          </p:cNvPr>
-          <p:cNvSpPr>
-            <a:spLocks noGrp="1"/>
-          </p:cNvSpPr>
-          <p:nvPr>
-            <p:ph type="ctrTitle"/>
-          </p:nvPr>
-        </p:nvSpPr>
-        <p:spPr>
-          <a:xfrm>
-            <a:off x="1524000" y="1403205"/>
-            <a:ext cx="9144000" cy="585393"/>
-          </a:xfrm>
-        </p:spPr>
-        <p:txBody>
-          <a:bodyPr/>
-          <a:lstStyle/>
-          <a:p>
-            <a:r>
-              <a:rPr lang="en-US" sz="1800" b="1" i="0" u="none" strike="noStrike" dirty="0">
-                <a:solidFill>
-                  <a:srgbClr val="000000"/>
-                </a:solidFill>
-                <a:effectLst/>
-                <a:latin typeface="Arial" panose="020B0604020202020204" pitchFamily="34" charset="0"/>
-              </a:rPr>
-              <a:t>Project 8. Twitter COVID19 Network Analysis II </a:t>
-            </a:r>
-            <a:endParaRPr lang="en-FI" dirty="0"/>
-          </a:p>
-        </p:txBody>
-      </p:sp>
-      <p:sp>
-        <p:nvSpPr>
-          <p:cNvPr id="3" name="Subtitle 2">
-            <a:extLst>
-              <a:ext uri="{FF2B5EF4-FFF2-40B4-BE49-F238E27FC236}">
-                <a16:creationId xmlns:a16="http://schemas.microsoft.com/office/drawing/2014/main" id="{F019502B-F4B9-B6D4-58C9-2C4AED16BF89}"/>
-              </a:ext>
-            </a:extLst>
-          </p:cNvPr>
-          <p:cNvSpPr>
-            <a:spLocks noGrp="1"/>
-          </p:cNvSpPr>
-          <p:nvPr>
-            <p:ph type="subTitle" idx="1"/>
-          </p:nvPr>
-        </p:nvSpPr>
-        <p:spPr>
-          <a:xfrm>
-            <a:off x="1524000" y="2363788"/>
-            <a:ext cx="9144000" cy="401791"/>
-          </a:xfrm>
-        </p:spPr>
-        <p:txBody>
-          <a:bodyPr>
-            <a:normAutofit lnSpcReduction="10000"/>
-          </a:bodyPr>
-          <a:lstStyle/>
-          <a:p>
-            <a:r>
-              <a:rPr lang="en-FI" dirty="0"/>
-              <a:t>Matt Stirling</a:t>
-            </a:r>
-          </a:p>
-        </p:txBody>
-      </p:sp>
-      <p:sp>
-        <p:nvSpPr>
-          <p:cNvPr id="4" name="TextBox 3">
-            <a:extLst>
-              <a:ext uri="{FF2B5EF4-FFF2-40B4-BE49-F238E27FC236}">
-                <a16:creationId xmlns:a16="http://schemas.microsoft.com/office/drawing/2014/main" id="{3F1B0555-1F36-1654-5964-BED910D7C477}"/>
-              </a:ext>
-            </a:extLst>
-          </p:cNvPr>
-          <p:cNvSpPr txBox="1"/>
-          <p:nvPr/>
-        </p:nvSpPr>
-        <p:spPr>
-          <a:xfrm>
-            <a:off x="1762125" y="3744316"/>
-            <a:ext cx="9229725" cy="923330"/>
-          </a:xfrm>
-          <a:prstGeom prst="rect">
-            <a:avLst/>
-          </a:prstGeom>
-          <a:noFill/>
-        </p:spPr>
-        <p:txBody>
-          <a:bodyPr wrap="square" rtlCol="0">
-            <a:spAutoFit/>
-          </a:bodyPr>
-          <a:lstStyle/>
-          <a:p>
-            <a:r>
-              <a:rPr lang="en-US" sz="1800" b="0" i="0" u="none" strike="noStrike" dirty="0">
-                <a:solidFill>
-                  <a:srgbClr val="000000"/>
-                </a:solidFill>
-                <a:effectLst/>
-                <a:latin typeface="Arial" panose="020B0604020202020204" pitchFamily="34" charset="0"/>
-              </a:rPr>
-              <a:t>Consider the TweetsCOV19 dataset, a semantically annotated corpus of Twitter about COVID19 aiming at capturing online discourse about various aspects of the pandemic and its social impact. </a:t>
-            </a:r>
-            <a:endParaRPr lang="en-FI" dirty="0"/>
-          </a:p>
-        </p:txBody>
-      </p:sp>
-    </p:spTree>
-    <p:extLst>
-      <p:ext uri="{BB962C8B-B14F-4D97-AF65-F5344CB8AC3E}">
-        <p14:creationId xmlns:p14="http://schemas.microsoft.com/office/powerpoint/2010/main" val="3780145900"/>
-      </p:ext>
-    </p:extLst>
-  </p:cSld>
-  <p:clrMapOvr>
-    <a:masterClrMapping/>
-  </p:clrMapOvr>
-</p:sld>
-</file>
-
-<file path=ppt/slides/slide2.xml><?xml version="1.0" encoding="utf-8"?>
-<p:sld xmlns:a="http://schemas.openxmlformats.org/drawingml/2006/main" xmlns:r="http://schemas.openxmlformats.org/officeDocument/2006/relationships" xmlns:p="http://schemas.openxmlformats.org/presentationml/2006/main">
-  <p:cSld>
-    <p:spTree>
-      <p:nvGrpSpPr>
-        <p:cNvPr id="1" name=""/>
-        <p:cNvGrpSpPr/>
-        <p:nvPr/>
-      </p:nvGrpSpPr>
-      <p:grpSpPr>
-        <a:xfrm>
-          <a:off x="0" y="0"/>
-          <a:ext cx="0" cy="0"/>
-          <a:chOff x="0" y="0"/>
-          <a:chExt cx="0" cy="0"/>
-        </a:xfrm>
-      </p:grpSpPr>
-      <p:sp>
-        <p:nvSpPr>
-          <p:cNvPr id="2" name="Title 1">
-            <a:extLst>
-              <a:ext uri="{FF2B5EF4-FFF2-40B4-BE49-F238E27FC236}">
-                <a16:creationId xmlns:a16="http://schemas.microsoft.com/office/drawing/2014/main" id="{D8F5FE75-C9BA-B37E-43E4-D375F4E3356F}"/>
-              </a:ext>
-            </a:extLst>
-          </p:cNvPr>
-          <p:cNvSpPr>
-            <a:spLocks noGrp="1"/>
-          </p:cNvSpPr>
-          <p:nvPr>
-            <p:ph type="title"/>
-          </p:nvPr>
-        </p:nvSpPr>
-        <p:spPr>
-          <a:xfrm>
-            <a:off x="838200" y="365126"/>
-            <a:ext cx="10515600" cy="711200"/>
-          </a:xfrm>
-        </p:spPr>
-        <p:txBody>
-          <a:bodyPr/>
-          <a:lstStyle/>
-          <a:p>
-            <a:r>
-              <a:rPr lang="en-FI" dirty="0"/>
-              <a:t>Project Specification</a:t>
-            </a:r>
-          </a:p>
-        </p:txBody>
-      </p:sp>
-      <p:sp>
-        <p:nvSpPr>
-          <p:cNvPr id="3" name="Content Placeholder 2">
-            <a:extLst>
-              <a:ext uri="{FF2B5EF4-FFF2-40B4-BE49-F238E27FC236}">
-                <a16:creationId xmlns:a16="http://schemas.microsoft.com/office/drawing/2014/main" id="{22A88D55-E953-D852-672F-743B9630D470}"/>
-              </a:ext>
-            </a:extLst>
-          </p:cNvPr>
-          <p:cNvSpPr>
-            <a:spLocks noGrp="1"/>
-          </p:cNvSpPr>
-          <p:nvPr>
-            <p:ph idx="1"/>
-          </p:nvPr>
-        </p:nvSpPr>
-        <p:spPr/>
-        <p:txBody>
-          <a:bodyPr/>
-          <a:lstStyle/>
-          <a:p>
-            <a:pPr marL="0" indent="0">
-              <a:buNone/>
-            </a:pPr>
-            <a:r>
-              <a:rPr lang="fi-FI" dirty="0"/>
-              <a:t>D</a:t>
-            </a:r>
-            <a:r>
-              <a:rPr lang="en-FI" dirty="0" err="1"/>
-              <a:t>ataset</a:t>
-            </a:r>
-            <a:r>
-              <a:rPr lang="en-FI" dirty="0"/>
-              <a:t>: </a:t>
-            </a:r>
-            <a:r>
-              <a:rPr lang="fi-FI" dirty="0">
-                <a:hlinkClick r:id="rId2"/>
-              </a:rPr>
-              <a:t>https://zenodo.org/records/3871753</a:t>
-            </a:r>
-            <a:endParaRPr lang="en-FI" dirty="0"/>
-          </a:p>
-          <a:p>
-            <a:pPr marL="0" indent="0">
-              <a:buNone/>
-            </a:pPr>
-            <a:endParaRPr lang="en-FI" dirty="0"/>
-          </a:p>
-        </p:txBody>
-      </p:sp>
-    </p:spTree>
-    <p:extLst>
-      <p:ext uri="{BB962C8B-B14F-4D97-AF65-F5344CB8AC3E}">
-        <p14:creationId xmlns:p14="http://schemas.microsoft.com/office/powerpoint/2010/main" val="3539187524"/>
-      </p:ext>
-    </p:extLst>
-  </p:cSld>
-  <p:clrMapOvr>
-    <a:masterClrMapping/>
-  </p:clrMapOvr>
-</p:sld>
-</file>
-
-<file path=ppt/slides/slide3.xml><?xml version="1.0" encoding="utf-8"?>
-<p:sld xmlns:a="http://schemas.openxmlformats.org/drawingml/2006/main" xmlns:r="http://schemas.openxmlformats.org/officeDocument/2006/relationships" xmlns:p="http://schemas.openxmlformats.org/presentationml/2006/main">
-  <p:cSld>
-    <p:spTree>
-      <p:nvGrpSpPr>
-        <p:cNvPr id="1" name=""/>
-        <p:cNvGrpSpPr/>
-        <p:nvPr/>
-      </p:nvGrpSpPr>
-      <p:grpSpPr>
-        <a:xfrm>
-          <a:off x="0" y="0"/>
-          <a:ext cx="0" cy="0"/>
-          <a:chOff x="0" y="0"/>
-          <a:chExt cx="0" cy="0"/>
-        </a:xfrm>
-      </p:grpSpPr>
-      <p:sp>
-        <p:nvSpPr>
-          <p:cNvPr id="2" name="Title 1">
-            <a:extLst>
-              <a:ext uri="{FF2B5EF4-FFF2-40B4-BE49-F238E27FC236}">
                 <a16:creationId xmlns:a16="http://schemas.microsoft.com/office/drawing/2014/main" id="{B35653DE-FDE9-1595-D559-AB777BB8F862}"/>
               </a:ext>
             </a:extLst>
@@ -3680,7 +3422,7 @@
 </p:sld>
 </file>
 
-<file path=ppt/slides/slide4.xml><?xml version="1.0" encoding="utf-8"?>
+<file path=ppt/slides/slide2.xml><?xml version="1.0" encoding="utf-8"?>
 <p:sld xmlns:a="http://schemas.openxmlformats.org/drawingml/2006/main" xmlns:r="http://schemas.openxmlformats.org/officeDocument/2006/relationships" xmlns:p="http://schemas.openxmlformats.org/presentationml/2006/main">
   <p:cSld>
     <p:spTree>
@@ -3755,6 +3497,599 @@
     <p:extLst>
       <p:ext uri="{BB962C8B-B14F-4D97-AF65-F5344CB8AC3E}">
         <p14:creationId xmlns:p14="http://schemas.microsoft.com/office/powerpoint/2010/main" val="834820450"/>
+      </p:ext>
+    </p:extLst>
+  </p:cSld>
+  <p:clrMapOvr>
+    <a:masterClrMapping/>
+  </p:clrMapOvr>
+</p:sld>
+</file>
+
+<file path=ppt/slides/slide3.xml><?xml version="1.0" encoding="utf-8"?>
+<p:sld xmlns:a="http://schemas.openxmlformats.org/drawingml/2006/main" xmlns:r="http://schemas.openxmlformats.org/officeDocument/2006/relationships" xmlns:p="http://schemas.openxmlformats.org/presentationml/2006/main">
+  <p:cSld>
+    <p:spTree>
+      <p:nvGrpSpPr>
+        <p:cNvPr id="1" name=""/>
+        <p:cNvGrpSpPr/>
+        <p:nvPr/>
+      </p:nvGrpSpPr>
+      <p:grpSpPr>
+        <a:xfrm>
+          <a:off x="0" y="0"/>
+          <a:ext cx="0" cy="0"/>
+          <a:chOff x="0" y="0"/>
+          <a:chExt cx="0" cy="0"/>
+        </a:xfrm>
+      </p:grpSpPr>
+      <p:sp>
+        <p:nvSpPr>
+          <p:cNvPr id="2" name="Title 1">
+            <a:extLst>
+              <a:ext uri="{FF2B5EF4-FFF2-40B4-BE49-F238E27FC236}">
+                <a16:creationId xmlns:a16="http://schemas.microsoft.com/office/drawing/2014/main" id="{658B2E5F-1A09-EB2B-4FDE-F3C4720B6CA4}"/>
+              </a:ext>
+            </a:extLst>
+          </p:cNvPr>
+          <p:cNvSpPr>
+            <a:spLocks noGrp="1"/>
+          </p:cNvSpPr>
+          <p:nvPr>
+            <p:ph type="ctrTitle"/>
+          </p:nvPr>
+        </p:nvSpPr>
+        <p:spPr>
+          <a:xfrm>
+            <a:off x="1524000" y="1403205"/>
+            <a:ext cx="9144000" cy="585393"/>
+          </a:xfrm>
+        </p:spPr>
+        <p:txBody>
+          <a:bodyPr/>
+          <a:lstStyle/>
+          <a:p>
+            <a:r>
+              <a:rPr lang="en-US" sz="1800" b="1" i="0" u="none" strike="noStrike" dirty="0">
+                <a:solidFill>
+                  <a:srgbClr val="000000"/>
+                </a:solidFill>
+                <a:effectLst/>
+                <a:latin typeface="Arial" panose="020B0604020202020204" pitchFamily="34" charset="0"/>
+              </a:rPr>
+              <a:t>Project 8. Twitter COVID19 Network Analysis II </a:t>
+            </a:r>
+            <a:endParaRPr lang="en-FI" dirty="0"/>
+          </a:p>
+        </p:txBody>
+      </p:sp>
+      <p:sp>
+        <p:nvSpPr>
+          <p:cNvPr id="3" name="Subtitle 2">
+            <a:extLst>
+              <a:ext uri="{FF2B5EF4-FFF2-40B4-BE49-F238E27FC236}">
+                <a16:creationId xmlns:a16="http://schemas.microsoft.com/office/drawing/2014/main" id="{F019502B-F4B9-B6D4-58C9-2C4AED16BF89}"/>
+              </a:ext>
+            </a:extLst>
+          </p:cNvPr>
+          <p:cNvSpPr>
+            <a:spLocks noGrp="1"/>
+          </p:cNvSpPr>
+          <p:nvPr>
+            <p:ph type="subTitle" idx="1"/>
+          </p:nvPr>
+        </p:nvSpPr>
+        <p:spPr>
+          <a:xfrm>
+            <a:off x="1524000" y="2363788"/>
+            <a:ext cx="9144000" cy="401791"/>
+          </a:xfrm>
+        </p:spPr>
+        <p:txBody>
+          <a:bodyPr>
+            <a:normAutofit lnSpcReduction="10000"/>
+          </a:bodyPr>
+          <a:lstStyle/>
+          <a:p>
+            <a:r>
+              <a:rPr lang="en-FI" dirty="0"/>
+              <a:t>Matt Stirling</a:t>
+            </a:r>
+          </a:p>
+        </p:txBody>
+      </p:sp>
+    </p:spTree>
+    <p:extLst>
+      <p:ext uri="{BB962C8B-B14F-4D97-AF65-F5344CB8AC3E}">
+        <p14:creationId xmlns:p14="http://schemas.microsoft.com/office/powerpoint/2010/main" val="3780145900"/>
+      </p:ext>
+    </p:extLst>
+  </p:cSld>
+  <p:clrMapOvr>
+    <a:masterClrMapping/>
+  </p:clrMapOvr>
+</p:sld>
+</file>
+
+<file path=ppt/slides/slide4.xml><?xml version="1.0" encoding="utf-8"?>
+<p:sld xmlns:a="http://schemas.openxmlformats.org/drawingml/2006/main" xmlns:r="http://schemas.openxmlformats.org/officeDocument/2006/relationships" xmlns:p="http://schemas.openxmlformats.org/presentationml/2006/main">
+  <p:cSld>
+    <p:spTree>
+      <p:nvGrpSpPr>
+        <p:cNvPr id="1" name=""/>
+        <p:cNvGrpSpPr/>
+        <p:nvPr/>
+      </p:nvGrpSpPr>
+      <p:grpSpPr>
+        <a:xfrm>
+          <a:off x="0" y="0"/>
+          <a:ext cx="0" cy="0"/>
+          <a:chOff x="0" y="0"/>
+          <a:chExt cx="0" cy="0"/>
+        </a:xfrm>
+      </p:grpSpPr>
+      <p:sp>
+        <p:nvSpPr>
+          <p:cNvPr id="2" name="Title 1">
+            <a:extLst>
+              <a:ext uri="{FF2B5EF4-FFF2-40B4-BE49-F238E27FC236}">
+                <a16:creationId xmlns:a16="http://schemas.microsoft.com/office/drawing/2014/main" id="{D8F5FE75-C9BA-B37E-43E4-D375F4E3356F}"/>
+              </a:ext>
+            </a:extLst>
+          </p:cNvPr>
+          <p:cNvSpPr>
+            <a:spLocks noGrp="1"/>
+          </p:cNvSpPr>
+          <p:nvPr>
+            <p:ph type="title"/>
+          </p:nvPr>
+        </p:nvSpPr>
+        <p:spPr>
+          <a:xfrm>
+            <a:off x="838200" y="365126"/>
+            <a:ext cx="10515600" cy="711200"/>
+          </a:xfrm>
+        </p:spPr>
+        <p:txBody>
+          <a:bodyPr>
+            <a:normAutofit/>
+          </a:bodyPr>
+          <a:lstStyle/>
+          <a:p>
+            <a:r>
+              <a:rPr lang="en-FI" dirty="0"/>
+              <a:t>Dataset Description</a:t>
+            </a:r>
+          </a:p>
+        </p:txBody>
+      </p:sp>
+      <p:sp>
+        <p:nvSpPr>
+          <p:cNvPr id="3" name="Content Placeholder 2">
+            <a:extLst>
+              <a:ext uri="{FF2B5EF4-FFF2-40B4-BE49-F238E27FC236}">
+                <a16:creationId xmlns:a16="http://schemas.microsoft.com/office/drawing/2014/main" id="{22A88D55-E953-D852-672F-743B9630D470}"/>
+              </a:ext>
+            </a:extLst>
+          </p:cNvPr>
+          <p:cNvSpPr>
+            <a:spLocks noGrp="1"/>
+          </p:cNvSpPr>
+          <p:nvPr>
+            <p:ph idx="1"/>
+          </p:nvPr>
+        </p:nvSpPr>
+        <p:spPr/>
+        <p:txBody>
+          <a:bodyPr/>
+          <a:lstStyle/>
+          <a:p>
+            <a:pPr marL="0" indent="0">
+              <a:buNone/>
+            </a:pPr>
+            <a:r>
+              <a:rPr lang="fi-FI" dirty="0"/>
+              <a:t>D</a:t>
+            </a:r>
+            <a:r>
+              <a:rPr lang="en-FI" dirty="0" err="1"/>
+              <a:t>ataset</a:t>
+            </a:r>
+            <a:r>
+              <a:rPr lang="en-FI" dirty="0"/>
+              <a:t>: </a:t>
+            </a:r>
+            <a:r>
+              <a:rPr lang="fi-FI" dirty="0">
+                <a:hlinkClick r:id="rId2"/>
+              </a:rPr>
+              <a:t>https://zenodo.org/records/3871753</a:t>
+            </a:r>
+            <a:endParaRPr lang="en-FI" dirty="0"/>
+          </a:p>
+          <a:p>
+            <a:pPr marL="0" indent="0">
+              <a:buNone/>
+            </a:pPr>
+            <a:endParaRPr lang="en-FI" dirty="0"/>
+          </a:p>
+        </p:txBody>
+      </p:sp>
+      <p:sp>
+        <p:nvSpPr>
+          <p:cNvPr id="4" name="TextBox 3">
+            <a:extLst>
+              <a:ext uri="{FF2B5EF4-FFF2-40B4-BE49-F238E27FC236}">
+                <a16:creationId xmlns:a16="http://schemas.microsoft.com/office/drawing/2014/main" id="{AB581589-6BBC-BEF0-90E0-F378D1EB2F2F}"/>
+              </a:ext>
+            </a:extLst>
+          </p:cNvPr>
+          <p:cNvSpPr txBox="1"/>
+          <p:nvPr/>
+        </p:nvSpPr>
+        <p:spPr>
+          <a:xfrm>
+            <a:off x="1083076" y="3284738"/>
+            <a:ext cx="9641149" cy="923330"/>
+          </a:xfrm>
+          <a:prstGeom prst="rect">
+            <a:avLst/>
+          </a:prstGeom>
+          <a:noFill/>
+        </p:spPr>
+        <p:txBody>
+          <a:bodyPr wrap="square" rtlCol="0">
+            <a:spAutoFit/>
+          </a:bodyPr>
+          <a:lstStyle/>
+          <a:p>
+            <a:r>
+              <a:rPr lang="en-US" sz="1800" b="0" i="0" u="none" strike="noStrike" dirty="0">
+                <a:solidFill>
+                  <a:srgbClr val="000000"/>
+                </a:solidFill>
+                <a:effectLst/>
+                <a:latin typeface="Arial" panose="020B0604020202020204" pitchFamily="34" charset="0"/>
+              </a:rPr>
+              <a:t>Consider the TweetsCOV19 dataset, a semantically annotated corpus of Twitter about COVID19 aiming at capturing online discourse about various aspects of the pandemic and its social impact. </a:t>
+            </a:r>
+            <a:endParaRPr lang="en-FI" dirty="0"/>
+          </a:p>
+        </p:txBody>
+      </p:sp>
+    </p:spTree>
+    <p:extLst>
+      <p:ext uri="{BB962C8B-B14F-4D97-AF65-F5344CB8AC3E}">
+        <p14:creationId xmlns:p14="http://schemas.microsoft.com/office/powerpoint/2010/main" val="3539187524"/>
+      </p:ext>
+    </p:extLst>
+  </p:cSld>
+  <p:clrMapOvr>
+    <a:masterClrMapping/>
+  </p:clrMapOvr>
+</p:sld>
+</file>
+
+<file path=ppt/slides/slide5.xml><?xml version="1.0" encoding="utf-8"?>
+<p:sld xmlns:a="http://schemas.openxmlformats.org/drawingml/2006/main" xmlns:r="http://schemas.openxmlformats.org/officeDocument/2006/relationships" xmlns:p="http://schemas.openxmlformats.org/presentationml/2006/main">
+  <p:cSld>
+    <p:spTree>
+      <p:nvGrpSpPr>
+        <p:cNvPr id="1" name=""/>
+        <p:cNvGrpSpPr/>
+        <p:nvPr/>
+      </p:nvGrpSpPr>
+      <p:grpSpPr>
+        <a:xfrm>
+          <a:off x="0" y="0"/>
+          <a:ext cx="0" cy="0"/>
+          <a:chOff x="0" y="0"/>
+          <a:chExt cx="0" cy="0"/>
+        </a:xfrm>
+      </p:grpSpPr>
+      <p:sp>
+        <p:nvSpPr>
+          <p:cNvPr id="2" name="Title 1">
+            <a:extLst>
+              <a:ext uri="{FF2B5EF4-FFF2-40B4-BE49-F238E27FC236}">
+                <a16:creationId xmlns:a16="http://schemas.microsoft.com/office/drawing/2014/main" id="{430848D7-CA0C-2C1F-4311-DC46CC251C58}"/>
+              </a:ext>
+            </a:extLst>
+          </p:cNvPr>
+          <p:cNvSpPr>
+            <a:spLocks noGrp="1"/>
+          </p:cNvSpPr>
+          <p:nvPr>
+            <p:ph type="title"/>
+          </p:nvPr>
+        </p:nvSpPr>
+        <p:spPr/>
+        <p:txBody>
+          <a:bodyPr/>
+          <a:lstStyle/>
+          <a:p>
+            <a:r>
+              <a:rPr lang="en-FI" dirty="0"/>
+              <a:t>Project Specification</a:t>
+            </a:r>
+          </a:p>
+        </p:txBody>
+      </p:sp>
+      <p:sp>
+        <p:nvSpPr>
+          <p:cNvPr id="3" name="Content Placeholder 2">
+            <a:extLst>
+              <a:ext uri="{FF2B5EF4-FFF2-40B4-BE49-F238E27FC236}">
+                <a16:creationId xmlns:a16="http://schemas.microsoft.com/office/drawing/2014/main" id="{B159542C-CCD6-E835-BA4E-127459DCCAF1}"/>
+              </a:ext>
+            </a:extLst>
+          </p:cNvPr>
+          <p:cNvSpPr>
+            <a:spLocks noGrp="1"/>
+          </p:cNvSpPr>
+          <p:nvPr>
+            <p:ph idx="1"/>
+          </p:nvPr>
+        </p:nvSpPr>
+        <p:spPr/>
+        <p:txBody>
+          <a:bodyPr/>
+          <a:lstStyle/>
+          <a:p>
+            <a:endParaRPr lang="en-FI"/>
+          </a:p>
+        </p:txBody>
+      </p:sp>
+    </p:spTree>
+    <p:extLst>
+      <p:ext uri="{BB962C8B-B14F-4D97-AF65-F5344CB8AC3E}">
+        <p14:creationId xmlns:p14="http://schemas.microsoft.com/office/powerpoint/2010/main" val="2515458910"/>
+      </p:ext>
+    </p:extLst>
+  </p:cSld>
+  <p:clrMapOvr>
+    <a:masterClrMapping/>
+  </p:clrMapOvr>
+</p:sld>
+</file>
+
+<file path=ppt/slides/slide6.xml><?xml version="1.0" encoding="utf-8"?>
+<p:sld xmlns:a="http://schemas.openxmlformats.org/drawingml/2006/main" xmlns:r="http://schemas.openxmlformats.org/officeDocument/2006/relationships" xmlns:p="http://schemas.openxmlformats.org/presentationml/2006/main">
+  <p:cSld>
+    <p:spTree>
+      <p:nvGrpSpPr>
+        <p:cNvPr id="1" name=""/>
+        <p:cNvGrpSpPr/>
+        <p:nvPr/>
+      </p:nvGrpSpPr>
+      <p:grpSpPr>
+        <a:xfrm>
+          <a:off x="0" y="0"/>
+          <a:ext cx="0" cy="0"/>
+          <a:chOff x="0" y="0"/>
+          <a:chExt cx="0" cy="0"/>
+        </a:xfrm>
+      </p:grpSpPr>
+      <p:sp>
+        <p:nvSpPr>
+          <p:cNvPr id="2" name="Title 1">
+            <a:extLst>
+              <a:ext uri="{FF2B5EF4-FFF2-40B4-BE49-F238E27FC236}">
+                <a16:creationId xmlns:a16="http://schemas.microsoft.com/office/drawing/2014/main" id="{BCF65640-CB75-841C-97CE-374092FEC0E7}"/>
+              </a:ext>
+            </a:extLst>
+          </p:cNvPr>
+          <p:cNvSpPr>
+            <a:spLocks noGrp="1"/>
+          </p:cNvSpPr>
+          <p:nvPr>
+            <p:ph type="title"/>
+          </p:nvPr>
+        </p:nvSpPr>
+        <p:spPr/>
+        <p:txBody>
+          <a:bodyPr/>
+          <a:lstStyle/>
+          <a:p>
+            <a:r>
+              <a:rPr lang="en-FI" dirty="0"/>
+              <a:t>Graph construction description</a:t>
+            </a:r>
+          </a:p>
+        </p:txBody>
+      </p:sp>
+      <p:sp>
+        <p:nvSpPr>
+          <p:cNvPr id="3" name="Content Placeholder 2">
+            <a:extLst>
+              <a:ext uri="{FF2B5EF4-FFF2-40B4-BE49-F238E27FC236}">
+                <a16:creationId xmlns:a16="http://schemas.microsoft.com/office/drawing/2014/main" id="{1AD7A0D4-28FA-9447-8363-4CD0A1200E62}"/>
+              </a:ext>
+            </a:extLst>
+          </p:cNvPr>
+          <p:cNvSpPr>
+            <a:spLocks noGrp="1"/>
+          </p:cNvSpPr>
+          <p:nvPr>
+            <p:ph idx="1"/>
+          </p:nvPr>
+        </p:nvSpPr>
+        <p:spPr/>
+        <p:txBody>
+          <a:bodyPr/>
+          <a:lstStyle/>
+          <a:p>
+            <a:endParaRPr lang="en-FI"/>
+          </a:p>
+        </p:txBody>
+      </p:sp>
+    </p:spTree>
+    <p:extLst>
+      <p:ext uri="{BB962C8B-B14F-4D97-AF65-F5344CB8AC3E}">
+        <p14:creationId xmlns:p14="http://schemas.microsoft.com/office/powerpoint/2010/main" val="680203862"/>
+      </p:ext>
+    </p:extLst>
+  </p:cSld>
+  <p:clrMapOvr>
+    <a:masterClrMapping/>
+  </p:clrMapOvr>
+</p:sld>
+</file>
+
+<file path=ppt/slides/slide7.xml><?xml version="1.0" encoding="utf-8"?>
+<p:sld xmlns:a="http://schemas.openxmlformats.org/drawingml/2006/main" xmlns:r="http://schemas.openxmlformats.org/officeDocument/2006/relationships" xmlns:p="http://schemas.openxmlformats.org/presentationml/2006/main">
+  <p:cSld>
+    <p:spTree>
+      <p:nvGrpSpPr>
+        <p:cNvPr id="1" name=""/>
+        <p:cNvGrpSpPr/>
+        <p:nvPr/>
+      </p:nvGrpSpPr>
+      <p:grpSpPr>
+        <a:xfrm>
+          <a:off x="0" y="0"/>
+          <a:ext cx="0" cy="0"/>
+          <a:chOff x="0" y="0"/>
+          <a:chExt cx="0" cy="0"/>
+        </a:xfrm>
+      </p:grpSpPr>
+      <p:sp>
+        <p:nvSpPr>
+          <p:cNvPr id="2" name="Title 1">
+            <a:extLst>
+              <a:ext uri="{FF2B5EF4-FFF2-40B4-BE49-F238E27FC236}">
+                <a16:creationId xmlns:a16="http://schemas.microsoft.com/office/drawing/2014/main" id="{F112A7A7-E9F9-0DE1-B3C6-162EBAC5C3A2}"/>
+              </a:ext>
+            </a:extLst>
+          </p:cNvPr>
+          <p:cNvSpPr>
+            <a:spLocks noGrp="1"/>
+          </p:cNvSpPr>
+          <p:nvPr>
+            <p:ph type="title"/>
+          </p:nvPr>
+        </p:nvSpPr>
+        <p:spPr/>
+        <p:txBody>
+          <a:bodyPr/>
+          <a:lstStyle/>
+          <a:p>
+            <a:r>
+              <a:rPr lang="en-FI" dirty="0"/>
+              <a:t>Nature of the graph</a:t>
+            </a:r>
+          </a:p>
+        </p:txBody>
+      </p:sp>
+      <p:sp>
+        <p:nvSpPr>
+          <p:cNvPr id="3" name="Content Placeholder 2">
+            <a:extLst>
+              <a:ext uri="{FF2B5EF4-FFF2-40B4-BE49-F238E27FC236}">
+                <a16:creationId xmlns:a16="http://schemas.microsoft.com/office/drawing/2014/main" id="{2A2ABE0E-2FA7-C03D-EED8-8BA605B41FB8}"/>
+              </a:ext>
+            </a:extLst>
+          </p:cNvPr>
+          <p:cNvSpPr>
+            <a:spLocks noGrp="1"/>
+          </p:cNvSpPr>
+          <p:nvPr>
+            <p:ph idx="1"/>
+          </p:nvPr>
+        </p:nvSpPr>
+        <p:spPr/>
+        <p:txBody>
+          <a:bodyPr/>
+          <a:lstStyle/>
+          <a:p>
+            <a:endParaRPr lang="en-FI"/>
+          </a:p>
+        </p:txBody>
+      </p:sp>
+    </p:spTree>
+    <p:extLst>
+      <p:ext uri="{BB962C8B-B14F-4D97-AF65-F5344CB8AC3E}">
+        <p14:creationId xmlns:p14="http://schemas.microsoft.com/office/powerpoint/2010/main" val="23673054"/>
+      </p:ext>
+    </p:extLst>
+  </p:cSld>
+  <p:clrMapOvr>
+    <a:masterClrMapping/>
+  </p:clrMapOvr>
+</p:sld>
+</file>
+
+<file path=ppt/slides/slide8.xml><?xml version="1.0" encoding="utf-8"?>
+<p:sld xmlns:a="http://schemas.openxmlformats.org/drawingml/2006/main" xmlns:r="http://schemas.openxmlformats.org/officeDocument/2006/relationships" xmlns:p="http://schemas.openxmlformats.org/presentationml/2006/main">
+  <p:cSld>
+    <p:spTree>
+      <p:nvGrpSpPr>
+        <p:cNvPr id="1" name=""/>
+        <p:cNvGrpSpPr/>
+        <p:nvPr/>
+      </p:nvGrpSpPr>
+      <p:grpSpPr>
+        <a:xfrm>
+          <a:off x="0" y="0"/>
+          <a:ext cx="0" cy="0"/>
+          <a:chOff x="0" y="0"/>
+          <a:chExt cx="0" cy="0"/>
+        </a:xfrm>
+      </p:grpSpPr>
+      <p:sp>
+        <p:nvSpPr>
+          <p:cNvPr id="2" name="Title 1">
+            <a:extLst>
+              <a:ext uri="{FF2B5EF4-FFF2-40B4-BE49-F238E27FC236}">
+                <a16:creationId xmlns:a16="http://schemas.microsoft.com/office/drawing/2014/main" id="{B8C8B9FE-6106-4B28-00BF-F3DB6CFB59B0}"/>
+              </a:ext>
+            </a:extLst>
+          </p:cNvPr>
+          <p:cNvSpPr>
+            <a:spLocks noGrp="1"/>
+          </p:cNvSpPr>
+          <p:nvPr>
+            <p:ph type="title"/>
+          </p:nvPr>
+        </p:nvSpPr>
+        <p:spPr/>
+        <p:txBody>
+          <a:bodyPr/>
+          <a:lstStyle/>
+          <a:p>
+            <a:endParaRPr lang="en-FI" dirty="0"/>
+          </a:p>
+        </p:txBody>
+      </p:sp>
+      <p:sp>
+        <p:nvSpPr>
+          <p:cNvPr id="3" name="Content Placeholder 2">
+            <a:extLst>
+              <a:ext uri="{FF2B5EF4-FFF2-40B4-BE49-F238E27FC236}">
+                <a16:creationId xmlns:a16="http://schemas.microsoft.com/office/drawing/2014/main" id="{0AEF9918-84E4-0A5D-0E83-71AB1AA8961A}"/>
+              </a:ext>
+            </a:extLst>
+          </p:cNvPr>
+          <p:cNvSpPr>
+            <a:spLocks noGrp="1"/>
+          </p:cNvSpPr>
+          <p:nvPr>
+            <p:ph idx="1"/>
+          </p:nvPr>
+        </p:nvSpPr>
+        <p:spPr/>
+        <p:txBody>
+          <a:bodyPr/>
+          <a:lstStyle/>
+          <a:p>
+            <a:endParaRPr lang="en-FI"/>
+          </a:p>
+        </p:txBody>
+      </p:sp>
+    </p:spTree>
+    <p:extLst>
+      <p:ext uri="{BB962C8B-B14F-4D97-AF65-F5344CB8AC3E}">
+        <p14:creationId xmlns:p14="http://schemas.microsoft.com/office/powerpoint/2010/main" val="3785252366"/>
       </p:ext>
     </p:extLst>
   </p:cSld>
